--- a/Hamburg-Staatsballet/Programm/_Jane Eyre/New.pptx
+++ b/Hamburg-Staatsballet/Programm/_Jane Eyre/New.pptx
@@ -8,9 +8,9 @@
     <p:notesMasterId r:id="rId5"/>
   </p:notesMasterIdLst>
   <p:sldIdLst>
-    <p:sldId id="490" r:id="rId2"/>
-    <p:sldId id="497" r:id="rId3"/>
-    <p:sldId id="496" r:id="rId4"/>
+    <p:sldId id="485" r:id="rId2"/>
+    <p:sldId id="486" r:id="rId3"/>
+    <p:sldId id="497" r:id="rId4"/>
   </p:sldIdLst>
   <p:sldSz cx="9906000" cy="6858000" type="A4"/>
   <p:notesSz cx="6797675" cy="9926638"/>
@@ -210,7 +210,7 @@
           <a:p>
             <a:fld id="{1E980196-448A-481A-8A1B-A58FF56D8844}" type="datetimeFigureOut">
               <a:rPr lang="en-US" smtClean="0"/>
-              <a:t>10/7/23</a:t>
+              <a:t>11/10/23</a:t>
             </a:fld>
             <a:endParaRPr lang="en-US"/>
           </a:p>
@@ -609,7 +609,7 @@
           <a:p>
             <a:fld id="{F63CEDD3-0525-4453-AC94-ABA547278219}" type="datetimeFigureOut">
               <a:rPr lang="en-US" smtClean="0"/>
-              <a:t>10/7/23</a:t>
+              <a:t>11/10/23</a:t>
             </a:fld>
             <a:endParaRPr lang="en-US"/>
           </a:p>
@@ -779,7 +779,7 @@
           <a:p>
             <a:fld id="{F63CEDD3-0525-4453-AC94-ABA547278219}" type="datetimeFigureOut">
               <a:rPr lang="en-US" smtClean="0"/>
-              <a:t>10/7/23</a:t>
+              <a:t>11/10/23</a:t>
             </a:fld>
             <a:endParaRPr lang="en-US"/>
           </a:p>
@@ -959,7 +959,7 @@
           <a:p>
             <a:fld id="{F63CEDD3-0525-4453-AC94-ABA547278219}" type="datetimeFigureOut">
               <a:rPr lang="en-US" smtClean="0"/>
-              <a:t>10/7/23</a:t>
+              <a:t>11/10/23</a:t>
             </a:fld>
             <a:endParaRPr lang="en-US"/>
           </a:p>
@@ -1129,7 +1129,7 @@
           <a:p>
             <a:fld id="{F63CEDD3-0525-4453-AC94-ABA547278219}" type="datetimeFigureOut">
               <a:rPr lang="en-US" smtClean="0"/>
-              <a:t>10/7/23</a:t>
+              <a:t>11/10/23</a:t>
             </a:fld>
             <a:endParaRPr lang="en-US"/>
           </a:p>
@@ -1373,7 +1373,7 @@
           <a:p>
             <a:fld id="{F63CEDD3-0525-4453-AC94-ABA547278219}" type="datetimeFigureOut">
               <a:rPr lang="en-US" smtClean="0"/>
-              <a:t>10/7/23</a:t>
+              <a:t>11/10/23</a:t>
             </a:fld>
             <a:endParaRPr lang="en-US"/>
           </a:p>
@@ -1605,7 +1605,7 @@
           <a:p>
             <a:fld id="{F63CEDD3-0525-4453-AC94-ABA547278219}" type="datetimeFigureOut">
               <a:rPr lang="en-US" smtClean="0"/>
-              <a:t>10/7/23</a:t>
+              <a:t>11/10/23</a:t>
             </a:fld>
             <a:endParaRPr lang="en-US"/>
           </a:p>
@@ -1972,7 +1972,7 @@
           <a:p>
             <a:fld id="{F63CEDD3-0525-4453-AC94-ABA547278219}" type="datetimeFigureOut">
               <a:rPr lang="en-US" smtClean="0"/>
-              <a:t>10/7/23</a:t>
+              <a:t>11/10/23</a:t>
             </a:fld>
             <a:endParaRPr lang="en-US"/>
           </a:p>
@@ -2090,7 +2090,7 @@
           <a:p>
             <a:fld id="{F63CEDD3-0525-4453-AC94-ABA547278219}" type="datetimeFigureOut">
               <a:rPr lang="en-US" smtClean="0"/>
-              <a:t>10/7/23</a:t>
+              <a:t>11/10/23</a:t>
             </a:fld>
             <a:endParaRPr lang="en-US"/>
           </a:p>
@@ -2185,7 +2185,7 @@
           <a:p>
             <a:fld id="{F63CEDD3-0525-4453-AC94-ABA547278219}" type="datetimeFigureOut">
               <a:rPr lang="en-US" smtClean="0"/>
-              <a:t>10/7/23</a:t>
+              <a:t>11/10/23</a:t>
             </a:fld>
             <a:endParaRPr lang="en-US"/>
           </a:p>
@@ -2462,7 +2462,7 @@
           <a:p>
             <a:fld id="{F63CEDD3-0525-4453-AC94-ABA547278219}" type="datetimeFigureOut">
               <a:rPr lang="en-US" smtClean="0"/>
-              <a:t>10/7/23</a:t>
+              <a:t>11/10/23</a:t>
             </a:fld>
             <a:endParaRPr lang="en-US"/>
           </a:p>
@@ -2719,7 +2719,7 @@
           <a:p>
             <a:fld id="{F63CEDD3-0525-4453-AC94-ABA547278219}" type="datetimeFigureOut">
               <a:rPr lang="en-US" smtClean="0"/>
-              <a:t>10/7/23</a:t>
+              <a:t>11/10/23</a:t>
             </a:fld>
             <a:endParaRPr lang="en-US"/>
           </a:p>
@@ -2932,7 +2932,7 @@
           <a:p>
             <a:fld id="{F63CEDD3-0525-4453-AC94-ABA547278219}" type="datetimeFigureOut">
               <a:rPr lang="en-US" smtClean="0"/>
-              <a:t>10/7/23</a:t>
+              <a:t>11/10/23</a:t>
             </a:fld>
             <a:endParaRPr lang="en-US"/>
           </a:p>
@@ -3339,6 +3339,41 @@
       </p:grpSpPr>
       <p:pic>
         <p:nvPicPr>
+          <p:cNvPr id="5" name="Grafik 4" descr="Ein Bild, das Text enthält.&#10;&#10;Automatisch generierte Beschreibung">
+            <a:extLst>
+              <a:ext uri="{FF2B5EF4-FFF2-40B4-BE49-F238E27FC236}">
+                <a16:creationId xmlns:a16="http://schemas.microsoft.com/office/drawing/2014/main" id="{225D7071-D1ED-3BAE-47EC-94492BA597D9}"/>
+              </a:ext>
+            </a:extLst>
+          </p:cNvPr>
+          <p:cNvPicPr>
+            <a:picLocks noChangeAspect="1"/>
+          </p:cNvPicPr>
+          <p:nvPr/>
+        </p:nvPicPr>
+        <p:blipFill>
+          <a:blip r:embed="rId2">
+            <a:extLst>
+              <a:ext uri="{28A0092B-C50C-407E-A947-70E740481C1C}">
+                <a14:useLocalDpi xmlns:a14="http://schemas.microsoft.com/office/drawing/2010/main" val="0"/>
+              </a:ext>
+            </a:extLst>
+          </a:blip>
+          <a:srcRect/>
+          <a:stretch/>
+        </p:blipFill>
+        <p:spPr>
+          <a:xfrm>
+            <a:off x="651874" y="740275"/>
+            <a:ext cx="4043840" cy="5377447"/>
+          </a:xfrm>
+          <a:prstGeom prst="rect">
+            <a:avLst/>
+          </a:prstGeom>
+        </p:spPr>
+      </p:pic>
+      <p:pic>
+        <p:nvPicPr>
           <p:cNvPr id="4" name="Grafik 3" descr="Ein Bild, das Text enthält.&#10;&#10;Automatisch generierte Beschreibung">
             <a:extLst>
               <a:ext uri="{FF2B5EF4-FFF2-40B4-BE49-F238E27FC236}">
@@ -3352,15 +3387,15 @@
           <p:nvPr/>
         </p:nvPicPr>
         <p:blipFill>
-          <a:blip r:embed="rId2"/>
+          <a:blip r:embed="rId3"/>
           <a:stretch>
             <a:fillRect/>
           </a:stretch>
         </p:blipFill>
         <p:spPr>
           <a:xfrm>
-            <a:off x="5210308" y="392258"/>
-            <a:ext cx="4385868" cy="5867382"/>
+            <a:off x="5150018" y="643467"/>
+            <a:ext cx="4164372" cy="5571066"/>
           </a:xfrm>
           <a:prstGeom prst="rect">
             <a:avLst/>
@@ -3370,7 +3405,7 @@
     </p:spTree>
     <p:extLst>
       <p:ext uri="{BB962C8B-B14F-4D97-AF65-F5344CB8AC3E}">
-        <p14:creationId xmlns:p14="http://schemas.microsoft.com/office/powerpoint/2010/main" val="191323627"/>
+        <p14:creationId xmlns:p14="http://schemas.microsoft.com/office/powerpoint/2010/main" val="2933175284"/>
       </p:ext>
     </p:extLst>
   </p:cSld>
@@ -3397,12 +3432,495 @@
           <a:chExt cx="0" cy="0"/>
         </a:xfrm>
       </p:grpSpPr>
+      <p:sp>
+        <p:nvSpPr>
+          <p:cNvPr id="5" name="Textfeld 4">
+            <a:extLst>
+              <a:ext uri="{FF2B5EF4-FFF2-40B4-BE49-F238E27FC236}">
+                <a16:creationId xmlns:a16="http://schemas.microsoft.com/office/drawing/2014/main" id="{EA25018B-8049-FED6-0C2F-4F2E720F98AA}"/>
+              </a:ext>
+            </a:extLst>
+          </p:cNvPr>
+          <p:cNvSpPr txBox="1"/>
+          <p:nvPr/>
+        </p:nvSpPr>
+        <p:spPr>
+          <a:xfrm>
+            <a:off x="4953000" y="0"/>
+            <a:ext cx="4952010" cy="3016210"/>
+          </a:xfrm>
+          <a:prstGeom prst="rect">
+            <a:avLst/>
+          </a:prstGeom>
+          <a:noFill/>
+        </p:spPr>
+        <p:txBody>
+          <a:bodyPr wrap="square">
+            <a:spAutoFit/>
+          </a:bodyPr>
+          <a:lstStyle/>
+          <a:p>
+            <a:pPr algn="l" fontAlgn="base"/>
+            <a:r>
+              <a:rPr lang="zh-CN" altLang="en-US" sz="1000" b="1" i="0" dirty="0">
+                <a:solidFill>
+                  <a:srgbClr val="000000"/>
+                </a:solidFill>
+                <a:effectLst/>
+                <a:latin typeface="Nexa W04"/>
+              </a:rPr>
+              <a:t>凯茜</a:t>
+            </a:r>
+            <a:r>
+              <a:rPr lang="en-US" altLang="zh-CN" sz="1000" b="1" i="0" dirty="0">
+                <a:solidFill>
+                  <a:srgbClr val="000000"/>
+                </a:solidFill>
+                <a:effectLst/>
+                <a:latin typeface="Nexa W04"/>
+              </a:rPr>
+              <a:t>·</a:t>
+            </a:r>
+            <a:r>
+              <a:rPr lang="zh-CN" altLang="en-US" sz="1000" b="1" i="0" dirty="0">
+                <a:solidFill>
+                  <a:srgbClr val="000000"/>
+                </a:solidFill>
+                <a:effectLst/>
+                <a:latin typeface="Nexa W04"/>
+              </a:rPr>
+              <a:t>马斯顿的芭蕾舞</a:t>
+            </a:r>
+            <a:endParaRPr lang="en-US" altLang="zh-CN" sz="1000" b="1" i="0" dirty="0">
+              <a:solidFill>
+                <a:srgbClr val="000000"/>
+              </a:solidFill>
+              <a:effectLst/>
+              <a:latin typeface="Nexa W04"/>
+            </a:endParaRPr>
+          </a:p>
+          <a:p>
+            <a:pPr fontAlgn="base"/>
+            <a:r>
+              <a:rPr lang="en-US" sz="1000" b="1" i="0" dirty="0" err="1">
+                <a:solidFill>
+                  <a:srgbClr val="000000"/>
+                </a:solidFill>
+                <a:effectLst/>
+                <a:latin typeface="Nexa W04"/>
+              </a:rPr>
+              <a:t>Ballett</a:t>
+            </a:r>
+            <a:r>
+              <a:rPr lang="en-US" sz="1000" b="1" i="0" dirty="0">
+                <a:solidFill>
+                  <a:srgbClr val="000000"/>
+                </a:solidFill>
+                <a:effectLst/>
+                <a:latin typeface="Nexa W04"/>
+              </a:rPr>
+              <a:t> von Cathy Marston</a:t>
+            </a:r>
+          </a:p>
+          <a:p>
+            <a:pPr algn="l" fontAlgn="base"/>
+            <a:endParaRPr lang="zh-CN" altLang="en-US" sz="1000" b="1" i="0" dirty="0">
+              <a:solidFill>
+                <a:srgbClr val="000000"/>
+              </a:solidFill>
+              <a:effectLst/>
+              <a:latin typeface="Nexa W04"/>
+            </a:endParaRPr>
+          </a:p>
+          <a:p>
+            <a:pPr algn="l" fontAlgn="base"/>
+            <a:r>
+              <a:rPr lang="zh-CN" altLang="en-US" sz="1000" b="1" i="0" dirty="0">
+                <a:solidFill>
+                  <a:srgbClr val="000000"/>
+                </a:solidFill>
+                <a:effectLst/>
+                <a:latin typeface="Nexa W04 Light1279284"/>
+              </a:rPr>
+              <a:t>简爱</a:t>
+            </a:r>
+          </a:p>
+          <a:p>
+            <a:pPr algn="l" fontAlgn="base"/>
+            <a:r>
+              <a:rPr lang="zh-CN" altLang="en-US" sz="1000" b="0" i="0" dirty="0">
+                <a:solidFill>
+                  <a:srgbClr val="000000"/>
+                </a:solidFill>
+                <a:effectLst/>
+                <a:latin typeface="Nexa W04"/>
+              </a:rPr>
+              <a:t>“我是在文学中长大的。我的父母都是英语老师，我们读了很多书。” 凭借这一背景以及在剑桥和伦敦的舞蹈训练，凯茜</a:t>
+            </a:r>
+            <a:r>
+              <a:rPr lang="en-US" altLang="zh-CN" sz="1000" b="0" i="0" dirty="0">
+                <a:solidFill>
+                  <a:srgbClr val="000000"/>
+                </a:solidFill>
+                <a:effectLst/>
+                <a:latin typeface="Nexa W04"/>
+              </a:rPr>
+              <a:t>·</a:t>
+            </a:r>
+            <a:r>
+              <a:rPr lang="zh-CN" altLang="en-US" sz="1000" b="0" i="0" dirty="0">
+                <a:solidFill>
+                  <a:srgbClr val="000000"/>
+                </a:solidFill>
+                <a:effectLst/>
+                <a:latin typeface="Nexa W04"/>
+              </a:rPr>
+              <a:t>马斯顿已经发展成为一位与众不同的编舞家，她在世界范围内享有盛誉，尤其是她的文学芭蕾舞。约翰</a:t>
+            </a:r>
+            <a:r>
+              <a:rPr lang="en-US" altLang="zh-CN" sz="1000" b="0" i="0" dirty="0">
+                <a:solidFill>
+                  <a:srgbClr val="000000"/>
+                </a:solidFill>
+                <a:effectLst/>
+                <a:latin typeface="Nexa W04"/>
+              </a:rPr>
+              <a:t>·</a:t>
+            </a:r>
+            <a:r>
+              <a:rPr lang="zh-CN" altLang="en-US" sz="1000" b="0" i="0" dirty="0">
+                <a:solidFill>
+                  <a:srgbClr val="000000"/>
+                </a:solidFill>
+                <a:effectLst/>
+                <a:latin typeface="Nexa W04"/>
+              </a:rPr>
+              <a:t>纽迈尔 </a:t>
+            </a:r>
+            <a:r>
+              <a:rPr lang="en-US" altLang="zh-CN" sz="1000" b="0" i="0" dirty="0">
+                <a:solidFill>
+                  <a:srgbClr val="000000"/>
+                </a:solidFill>
+                <a:effectLst/>
+                <a:latin typeface="Nexa W04"/>
+              </a:rPr>
+              <a:t>(John Neumeier) </a:t>
+            </a:r>
+            <a:r>
+              <a:rPr lang="zh-CN" altLang="en-US" sz="1000" b="0" i="0" dirty="0">
+                <a:solidFill>
+                  <a:srgbClr val="000000"/>
+                </a:solidFill>
+                <a:effectLst/>
+                <a:latin typeface="Nexa W04"/>
+              </a:rPr>
+              <a:t>邀请了她根据夏洛蒂</a:t>
+            </a:r>
+            <a:r>
+              <a:rPr lang="en-US" altLang="zh-CN" sz="1000" b="0" i="0" dirty="0">
+                <a:solidFill>
+                  <a:srgbClr val="000000"/>
+                </a:solidFill>
+                <a:effectLst/>
+                <a:latin typeface="Nexa W04"/>
+              </a:rPr>
+              <a:t>·</a:t>
+            </a:r>
+            <a:r>
+              <a:rPr lang="zh-CN" altLang="en-US" sz="1000" b="0" i="0" dirty="0">
+                <a:solidFill>
+                  <a:srgbClr val="000000"/>
+                </a:solidFill>
+                <a:effectLst/>
+                <a:latin typeface="Nexa W04"/>
+              </a:rPr>
+              <a:t>勃朗特 </a:t>
+            </a:r>
+            <a:r>
+              <a:rPr lang="en-US" altLang="zh-CN" sz="1000" b="0" i="0" dirty="0">
+                <a:solidFill>
+                  <a:srgbClr val="000000"/>
+                </a:solidFill>
+                <a:effectLst/>
+                <a:latin typeface="Nexa W04"/>
+              </a:rPr>
+              <a:t>(Charlotte Brontë) </a:t>
+            </a:r>
+            <a:r>
+              <a:rPr lang="zh-CN" altLang="en-US" sz="1000" b="0" i="0" dirty="0">
+                <a:solidFill>
+                  <a:srgbClr val="000000"/>
+                </a:solidFill>
+                <a:effectLst/>
+                <a:latin typeface="Nexa W04"/>
+              </a:rPr>
+              <a:t>的经典小说改编的</a:t>
+            </a:r>
+            <a:r>
+              <a:rPr lang="en-US" altLang="zh-CN" sz="1000" b="0" i="0" dirty="0">
+                <a:solidFill>
+                  <a:srgbClr val="000000"/>
+                </a:solidFill>
+                <a:effectLst/>
+                <a:latin typeface="Nexa W04"/>
+              </a:rPr>
+              <a:t>《</a:t>
+            </a:r>
+            <a:r>
+              <a:rPr lang="zh-CN" altLang="en-US" sz="1000" b="0" i="0" dirty="0">
+                <a:solidFill>
+                  <a:srgbClr val="000000"/>
+                </a:solidFill>
+                <a:effectLst/>
+                <a:latin typeface="Nexa W04"/>
+              </a:rPr>
+              <a:t>简</a:t>
+            </a:r>
+            <a:r>
+              <a:rPr lang="en-US" altLang="zh-CN" sz="1000" b="0" i="0" dirty="0">
+                <a:solidFill>
+                  <a:srgbClr val="000000"/>
+                </a:solidFill>
+                <a:effectLst/>
+                <a:latin typeface="Nexa W04"/>
+              </a:rPr>
+              <a:t>·</a:t>
+            </a:r>
+            <a:r>
+              <a:rPr lang="zh-CN" altLang="en-US" sz="1000" b="0" i="0" dirty="0">
+                <a:solidFill>
+                  <a:srgbClr val="000000"/>
+                </a:solidFill>
+                <a:effectLst/>
+                <a:latin typeface="Nexa W04"/>
+              </a:rPr>
+              <a:t>爱</a:t>
+            </a:r>
+            <a:r>
+              <a:rPr lang="en-US" altLang="zh-CN" sz="1000" b="0" i="0" dirty="0">
+                <a:solidFill>
+                  <a:srgbClr val="000000"/>
+                </a:solidFill>
+                <a:effectLst/>
+                <a:latin typeface="Nexa W04"/>
+              </a:rPr>
+              <a:t>》(Jane Eyre) </a:t>
+            </a:r>
+            <a:r>
+              <a:rPr lang="zh-CN" altLang="en-US" sz="1000" b="0" i="0" dirty="0">
+                <a:solidFill>
+                  <a:srgbClr val="000000"/>
+                </a:solidFill>
+                <a:effectLst/>
+                <a:latin typeface="Nexa W04"/>
+              </a:rPr>
+              <a:t>版本作为其导演职位的倒数第二场首映礼。伦敦泰晤士报对北方芭蕾舞团 </a:t>
+            </a:r>
+            <a:r>
+              <a:rPr lang="en-US" altLang="zh-CN" sz="1000" b="0" i="0" dirty="0">
+                <a:solidFill>
+                  <a:srgbClr val="000000"/>
+                </a:solidFill>
+                <a:effectLst/>
+                <a:latin typeface="Nexa W04"/>
+              </a:rPr>
+              <a:t>2016 </a:t>
+            </a:r>
+            <a:r>
+              <a:rPr lang="zh-CN" altLang="en-US" sz="1000" b="0" i="0" dirty="0">
+                <a:solidFill>
+                  <a:srgbClr val="000000"/>
+                </a:solidFill>
+                <a:effectLst/>
+                <a:latin typeface="Nexa W04"/>
+              </a:rPr>
+              <a:t>年的首演赞不绝口：“制作精美、感人</a:t>
+            </a:r>
+            <a:r>
+              <a:rPr lang="en-US" altLang="zh-CN" sz="1000" b="0" i="0" dirty="0">
+                <a:solidFill>
+                  <a:srgbClr val="000000"/>
+                </a:solidFill>
+                <a:effectLst/>
+                <a:latin typeface="Nexa W04"/>
+              </a:rPr>
+              <a:t>……</a:t>
+            </a:r>
+            <a:r>
+              <a:rPr lang="zh-CN" altLang="en-US" sz="1000" b="0" i="0" dirty="0">
+                <a:solidFill>
+                  <a:srgbClr val="000000"/>
+                </a:solidFill>
+                <a:effectLst/>
+                <a:latin typeface="Nexa W04"/>
+              </a:rPr>
+              <a:t>充满了真实的情感”。</a:t>
+            </a:r>
+            <a:r>
+              <a:rPr lang="en-US" altLang="zh-CN" sz="1000" b="0" i="0" dirty="0">
+                <a:solidFill>
+                  <a:srgbClr val="000000"/>
+                </a:solidFill>
+                <a:effectLst/>
+                <a:latin typeface="Nexa W04"/>
+              </a:rPr>
+              <a:t>2019</a:t>
+            </a:r>
+            <a:r>
+              <a:rPr lang="zh-CN" altLang="en-US" sz="1000" b="0" i="0" dirty="0">
+                <a:solidFill>
+                  <a:srgbClr val="000000"/>
+                </a:solidFill>
+                <a:effectLst/>
+                <a:latin typeface="Nexa W04"/>
+              </a:rPr>
+              <a:t>年该芭蕾舞剧出口美国，在美国芭蕾舞剧院（纽约）和乔佛里芭蕾舞团（芝加哥）排练。</a:t>
+            </a:r>
+            <a:endParaRPr lang="en-US" altLang="zh-CN" sz="1000" b="0" i="0" dirty="0">
+              <a:solidFill>
+                <a:srgbClr val="000000"/>
+              </a:solidFill>
+              <a:effectLst/>
+              <a:latin typeface="Nexa W04"/>
+            </a:endParaRPr>
+          </a:p>
+          <a:p>
+            <a:pPr algn="l" fontAlgn="base"/>
+            <a:endParaRPr lang="en-US" altLang="zh-CN" sz="1000" dirty="0">
+              <a:solidFill>
+                <a:srgbClr val="000000"/>
+              </a:solidFill>
+              <a:latin typeface="Nexa W04"/>
+            </a:endParaRPr>
+          </a:p>
+          <a:p>
+            <a:pPr algn="l" fontAlgn="base"/>
+            <a:r>
+              <a:rPr lang="zh-CN" altLang="en-US" sz="1000" b="0" i="0" dirty="0">
+                <a:solidFill>
+                  <a:srgbClr val="555555"/>
+                </a:solidFill>
+                <a:effectLst/>
+                <a:latin typeface="QuicksandRegular"/>
+              </a:rPr>
+              <a:t>凯茜</a:t>
+            </a:r>
+            <a:r>
+              <a:rPr lang="en-US" altLang="zh-CN" sz="1000" b="0" i="0" dirty="0">
+                <a:solidFill>
+                  <a:srgbClr val="555555"/>
+                </a:solidFill>
+                <a:effectLst/>
+                <a:latin typeface="QuicksandRegular"/>
+              </a:rPr>
+              <a:t>·</a:t>
+            </a:r>
+            <a:r>
+              <a:rPr lang="zh-CN" altLang="en-US" sz="1000" b="0" i="0" dirty="0">
+                <a:solidFill>
+                  <a:srgbClr val="555555"/>
+                </a:solidFill>
+                <a:effectLst/>
+                <a:latin typeface="QuicksandRegular"/>
+              </a:rPr>
+              <a:t>马斯顿 </a:t>
+            </a:r>
+            <a:r>
+              <a:rPr lang="en-US" altLang="zh-CN" sz="1000" b="0" i="0" dirty="0">
+                <a:solidFill>
+                  <a:srgbClr val="555555"/>
+                </a:solidFill>
+                <a:effectLst/>
+                <a:latin typeface="QuicksandRegular"/>
+              </a:rPr>
+              <a:t>(Cathy Marston) </a:t>
+            </a:r>
+            <a:r>
+              <a:rPr lang="zh-CN" altLang="en-US" sz="1000" b="0" i="0" dirty="0">
+                <a:solidFill>
+                  <a:srgbClr val="555555"/>
+                </a:solidFill>
+                <a:effectLst/>
+                <a:latin typeface="QuicksandRegular"/>
+              </a:rPr>
+              <a:t>是一位编舞家</a:t>
+            </a:r>
+            <a:r>
+              <a:rPr lang="en-US" altLang="zh-CN" sz="1000" b="0" i="0" dirty="0">
+                <a:solidFill>
+                  <a:srgbClr val="555555"/>
+                </a:solidFill>
+                <a:effectLst/>
+                <a:latin typeface="QuicksandRegular"/>
+              </a:rPr>
+              <a:t>/</a:t>
+            </a:r>
+            <a:r>
+              <a:rPr lang="zh-CN" altLang="en-US" sz="1000" b="0" i="0" dirty="0">
+                <a:solidFill>
+                  <a:srgbClr val="555555"/>
+                </a:solidFill>
+                <a:effectLst/>
+                <a:latin typeface="QuicksandRegular"/>
+              </a:rPr>
+              <a:t>导演，她加入艺术点并为故事、情感和想法创造形式。她为旧的叙述提供了新的视角；为新观众提供原创想法，并在古典和当代艺术形式之间创造意想不到的结合。她的作品立足于表现力的完整性和技术质量，调和不和谐与优雅。作为天生的调解人，</a:t>
+            </a:r>
+            <a:r>
+              <a:rPr lang="en-US" altLang="zh-CN" sz="1000" b="0" i="0" dirty="0">
+                <a:solidFill>
+                  <a:srgbClr val="555555"/>
+                </a:solidFill>
+                <a:effectLst/>
+                <a:latin typeface="QuicksandRegular"/>
+              </a:rPr>
+              <a:t>Cathy </a:t>
+            </a:r>
+            <a:r>
+              <a:rPr lang="zh-CN" altLang="en-US" sz="1000" b="0" i="0" dirty="0">
+                <a:solidFill>
+                  <a:srgbClr val="555555"/>
+                </a:solidFill>
+                <a:effectLst/>
+                <a:latin typeface="QuicksandRegular"/>
+              </a:rPr>
+              <a:t>将艺术视野与实践能力相结合以实现她的目标。</a:t>
+            </a:r>
+            <a:endParaRPr lang="en-US" altLang="zh-CN" sz="1000" b="0" i="0" dirty="0">
+              <a:solidFill>
+                <a:srgbClr val="000000"/>
+              </a:solidFill>
+              <a:effectLst/>
+              <a:latin typeface="Nexa W04"/>
+            </a:endParaRPr>
+          </a:p>
+          <a:p>
+            <a:pPr algn="l" fontAlgn="base"/>
+            <a:endParaRPr lang="en-US" altLang="zh-CN" sz="1000" dirty="0">
+              <a:solidFill>
+                <a:srgbClr val="000000"/>
+              </a:solidFill>
+              <a:latin typeface="Nexa W04"/>
+            </a:endParaRPr>
+          </a:p>
+          <a:p>
+            <a:pPr algn="l" fontAlgn="base"/>
+            <a:endParaRPr lang="zh-CN" altLang="en-US" sz="1000" b="0" i="0" dirty="0">
+              <a:solidFill>
+                <a:srgbClr val="000000"/>
+              </a:solidFill>
+              <a:effectLst/>
+              <a:latin typeface="Nexa W04"/>
+            </a:endParaRPr>
+          </a:p>
+        </p:txBody>
+      </p:sp>
       <p:pic>
         <p:nvPicPr>
-          <p:cNvPr id="2" name="Picture 1">
+          <p:cNvPr id="4" name="Grafik 3">
             <a:extLst>
               <a:ext uri="{FF2B5EF4-FFF2-40B4-BE49-F238E27FC236}">
-                <a16:creationId xmlns:a16="http://schemas.microsoft.com/office/drawing/2014/main" id="{46A5C6F0-34D8-C833-3A74-36F7A8D2B00E}"/>
+                <a16:creationId xmlns:a16="http://schemas.microsoft.com/office/drawing/2014/main" id="{5876D65B-D8FB-8669-74EE-C794AB22A309}"/>
               </a:ext>
             </a:extLst>
           </p:cNvPr>
@@ -3419,8 +3937,8 @@
         </p:blipFill>
         <p:spPr>
           <a:xfrm>
-            <a:off x="5112670" y="358815"/>
-            <a:ext cx="4654434" cy="6302415"/>
+            <a:off x="0" y="73152"/>
+            <a:ext cx="4962638" cy="6711696"/>
           </a:xfrm>
           <a:prstGeom prst="rect">
             <a:avLst/>
@@ -3430,7 +3948,7 @@
     </p:spTree>
     <p:extLst>
       <p:ext uri="{BB962C8B-B14F-4D97-AF65-F5344CB8AC3E}">
-        <p14:creationId xmlns:p14="http://schemas.microsoft.com/office/powerpoint/2010/main" val="3339826855"/>
+        <p14:creationId xmlns:p14="http://schemas.microsoft.com/office/powerpoint/2010/main" val="4078993570"/>
       </p:ext>
     </p:extLst>
   </p:cSld>
@@ -3443,14 +3961,6 @@
 <file path=ppt/slides/slide3.xml><?xml version="1.0" encoding="utf-8"?>
 <p:sld xmlns:a="http://schemas.openxmlformats.org/drawingml/2006/main" xmlns:r="http://schemas.openxmlformats.org/officeDocument/2006/relationships" xmlns:p="http://schemas.openxmlformats.org/presentationml/2006/main">
   <p:cSld>
-    <p:bg>
-      <p:bgPr>
-        <a:solidFill>
-          <a:schemeClr val="bg1"/>
-        </a:solidFill>
-        <a:effectLst/>
-      </p:bgPr>
-    </p:bg>
     <p:spTree>
       <p:nvGrpSpPr>
         <p:cNvPr id="1" name=""/>
@@ -3465,1052 +3975,12 @@
           <a:chExt cx="0" cy="0"/>
         </a:xfrm>
       </p:grpSpPr>
-      <p:sp useBgFill="1">
-        <p:nvSpPr>
-          <p:cNvPr id="20" name="Rectangle 19">
+      <p:pic>
+        <p:nvPicPr>
+          <p:cNvPr id="3" name="Grafik 2" descr="Ein Bild, das stehend enthält.&#10;&#10;Automatisch generierte Beschreibung">
             <a:extLst>
               <a:ext uri="{FF2B5EF4-FFF2-40B4-BE49-F238E27FC236}">
-                <a16:creationId xmlns:a16="http://schemas.microsoft.com/office/drawing/2014/main" id="{5F879AC3-D4CE-493C-ADC7-06205677F4F8}"/>
-              </a:ext>
-              <a:ext uri="{C183D7F6-B498-43B3-948B-1728B52AA6E4}">
-                <adec:decorative xmlns:adec="http://schemas.microsoft.com/office/drawing/2017/decorative" val="1"/>
-              </a:ext>
-            </a:extLst>
-          </p:cNvPr>
-          <p:cNvSpPr>
-            <a:spLocks noGrp="1" noRot="1" noChangeAspect="1" noMove="1" noResize="1" noEditPoints="1" noAdjustHandles="1" noChangeArrowheads="1" noChangeShapeType="1" noTextEdit="1"/>
-          </p:cNvSpPr>
-          <p:nvPr>
-            <p:extLst>
-              <p:ext uri="{386F3935-93C4-4BCD-93E2-E3B085C9AB24}">
-                <p16:designElem xmlns:p16="http://schemas.microsoft.com/office/powerpoint/2015/main" val="1"/>
-              </p:ext>
-            </p:extLst>
-          </p:nvPr>
-        </p:nvSpPr>
-        <p:spPr>
-          <a:xfrm>
-            <a:off x="0" y="0"/>
-            <a:ext cx="9906000" cy="6858000"/>
-          </a:xfrm>
-          <a:prstGeom prst="rect">
-            <a:avLst/>
-          </a:prstGeom>
-          <a:ln>
-            <a:noFill/>
-          </a:ln>
-        </p:spPr>
-        <p:style>
-          <a:lnRef idx="2">
-            <a:schemeClr val="accent1">
-              <a:shade val="50000"/>
-            </a:schemeClr>
-          </a:lnRef>
-          <a:fillRef idx="1">
-            <a:schemeClr val="accent1"/>
-          </a:fillRef>
-          <a:effectRef idx="0">
-            <a:schemeClr val="accent1"/>
-          </a:effectRef>
-          <a:fontRef idx="minor">
-            <a:schemeClr val="lt1"/>
-          </a:fontRef>
-        </p:style>
-        <p:txBody>
-          <a:bodyPr rtlCol="0" anchor="ctr"/>
-          <a:lstStyle/>
-          <a:p>
-            <a:pPr algn="ctr"/>
-            <a:endParaRPr lang="en-US">
-              <a:ln w="0"/>
-              <a:solidFill>
-                <a:schemeClr val="accent1"/>
-              </a:solidFill>
-              <a:effectLst>
-                <a:outerShdw blurRad="38100" dist="25400" dir="5400000" algn="ctr" rotWithShape="0">
-                  <a:srgbClr val="6E747A">
-                    <a:alpha val="43000"/>
-                  </a:srgbClr>
-                </a:outerShdw>
-              </a:effectLst>
-            </a:endParaRPr>
-          </a:p>
-        </p:txBody>
-      </p:sp>
-      <p:sp>
-        <p:nvSpPr>
-          <p:cNvPr id="22" name="Freeform: Shape 21">
-            <a:extLst>
-              <a:ext uri="{FF2B5EF4-FFF2-40B4-BE49-F238E27FC236}">
-                <a16:creationId xmlns:a16="http://schemas.microsoft.com/office/drawing/2014/main" id="{736F0DFD-0954-464F-BF12-DD2E6F6E0380}"/>
-              </a:ext>
-              <a:ext uri="{C183D7F6-B498-43B3-948B-1728B52AA6E4}">
-                <adec:decorative xmlns:adec="http://schemas.microsoft.com/office/drawing/2017/decorative" val="1"/>
-              </a:ext>
-            </a:extLst>
-          </p:cNvPr>
-          <p:cNvSpPr>
-            <a:spLocks noGrp="1" noRot="1" noChangeAspect="1" noMove="1" noResize="1" noEditPoints="1" noAdjustHandles="1" noChangeArrowheads="1" noChangeShapeType="1" noTextEdit="1"/>
-          </p:cNvSpPr>
-          <p:nvPr>
-            <p:extLst>
-              <p:ext uri="{386F3935-93C4-4BCD-93E2-E3B085C9AB24}">
-                <p16:designElem xmlns:p16="http://schemas.microsoft.com/office/powerpoint/2015/main" val="1"/>
-              </p:ext>
-            </p:extLst>
-          </p:nvPr>
-        </p:nvSpPr>
-        <p:spPr>
-          <a:xfrm>
-            <a:off x="0" y="0"/>
-            <a:ext cx="1611597" cy="6858000"/>
-          </a:xfrm>
-          <a:custGeom>
-            <a:avLst/>
-            <a:gdLst>
-              <a:gd name="connsiteX0" fmla="*/ 0 w 1983504"/>
-              <a:gd name="connsiteY0" fmla="*/ 0 h 6858000"/>
-              <a:gd name="connsiteX1" fmla="*/ 1376658 w 1983504"/>
-              <a:gd name="connsiteY1" fmla="*/ 0 h 6858000"/>
-              <a:gd name="connsiteX2" fmla="*/ 1690650 w 1983504"/>
-              <a:gd name="connsiteY2" fmla="*/ 110269 h 6858000"/>
-              <a:gd name="connsiteX3" fmla="*/ 1645361 w 1983504"/>
-              <a:gd name="connsiteY3" fmla="*/ 135168 h 6858000"/>
-              <a:gd name="connsiteX4" fmla="*/ 1373640 w 1983504"/>
-              <a:gd name="connsiteY4" fmla="*/ 71141 h 6858000"/>
-              <a:gd name="connsiteX5" fmla="*/ 1319295 w 1983504"/>
-              <a:gd name="connsiteY5" fmla="*/ 88927 h 6858000"/>
-              <a:gd name="connsiteX6" fmla="*/ 1346468 w 1983504"/>
-              <a:gd name="connsiteY6" fmla="*/ 163625 h 6858000"/>
-              <a:gd name="connsiteX7" fmla="*/ 1464213 w 1983504"/>
-              <a:gd name="connsiteY7" fmla="*/ 192082 h 6858000"/>
-              <a:gd name="connsiteX8" fmla="*/ 1648381 w 1983504"/>
-              <a:gd name="connsiteY8" fmla="*/ 373491 h 6858000"/>
-              <a:gd name="connsiteX9" fmla="*/ 1370620 w 1983504"/>
-              <a:gd name="connsiteY9" fmla="*/ 352148 h 6858000"/>
-              <a:gd name="connsiteX10" fmla="*/ 1322314 w 1983504"/>
-              <a:gd name="connsiteY10" fmla="*/ 394834 h 6858000"/>
-              <a:gd name="connsiteX11" fmla="*/ 1304199 w 1983504"/>
-              <a:gd name="connsiteY11" fmla="*/ 451747 h 6858000"/>
-              <a:gd name="connsiteX12" fmla="*/ 1222682 w 1983504"/>
-              <a:gd name="connsiteY12" fmla="*/ 359262 h 6858000"/>
-              <a:gd name="connsiteX13" fmla="*/ 1153242 w 1983504"/>
-              <a:gd name="connsiteY13" fmla="*/ 334364 h 6858000"/>
-              <a:gd name="connsiteX14" fmla="*/ 1132108 w 1983504"/>
-              <a:gd name="connsiteY14" fmla="*/ 416176 h 6858000"/>
-              <a:gd name="connsiteX15" fmla="*/ 1195509 w 1983504"/>
-              <a:gd name="connsiteY15" fmla="*/ 505101 h 6858000"/>
-              <a:gd name="connsiteX16" fmla="*/ 1364582 w 1983504"/>
-              <a:gd name="connsiteY16" fmla="*/ 558458 h 6858000"/>
-              <a:gd name="connsiteX17" fmla="*/ 1183434 w 1983504"/>
-              <a:gd name="connsiteY17" fmla="*/ 558458 h 6858000"/>
-              <a:gd name="connsiteX18" fmla="*/ 975114 w 1983504"/>
-              <a:gd name="connsiteY18" fmla="*/ 522887 h 6858000"/>
-              <a:gd name="connsiteX19" fmla="*/ 754716 w 1983504"/>
-              <a:gd name="connsiteY19" fmla="*/ 533558 h 6858000"/>
-              <a:gd name="connsiteX20" fmla="*/ 546395 w 1983504"/>
-              <a:gd name="connsiteY20" fmla="*/ 462417 h 6858000"/>
-              <a:gd name="connsiteX21" fmla="*/ 335056 w 1983504"/>
-              <a:gd name="connsiteY21" fmla="*/ 465975 h 6858000"/>
-              <a:gd name="connsiteX22" fmla="*/ 1270988 w 1983504"/>
-              <a:gd name="connsiteY22" fmla="*/ 910606 h 6858000"/>
-              <a:gd name="connsiteX23" fmla="*/ 1225701 w 1983504"/>
-              <a:gd name="connsiteY23" fmla="*/ 921277 h 6858000"/>
-              <a:gd name="connsiteX24" fmla="*/ 1165318 w 1983504"/>
-              <a:gd name="connsiteY24" fmla="*/ 949734 h 6858000"/>
-              <a:gd name="connsiteX25" fmla="*/ 1210606 w 1983504"/>
-              <a:gd name="connsiteY25" fmla="*/ 1006647 h 6858000"/>
-              <a:gd name="connsiteX26" fmla="*/ 1455156 w 1983504"/>
-              <a:gd name="connsiteY26" fmla="*/ 1113358 h 6858000"/>
-              <a:gd name="connsiteX27" fmla="*/ 1515538 w 1983504"/>
-              <a:gd name="connsiteY27" fmla="*/ 1220069 h 6858000"/>
-              <a:gd name="connsiteX28" fmla="*/ 1440060 w 1983504"/>
-              <a:gd name="connsiteY28" fmla="*/ 1209399 h 6858000"/>
-              <a:gd name="connsiteX29" fmla="*/ 1373640 w 1983504"/>
-              <a:gd name="connsiteY29" fmla="*/ 1230741 h 6858000"/>
-              <a:gd name="connsiteX30" fmla="*/ 1400810 w 1983504"/>
-              <a:gd name="connsiteY30" fmla="*/ 1365909 h 6858000"/>
-              <a:gd name="connsiteX31" fmla="*/ 1748012 w 1983504"/>
-              <a:gd name="connsiteY31" fmla="*/ 1540204 h 6858000"/>
-              <a:gd name="connsiteX32" fmla="*/ 1778203 w 1983504"/>
-              <a:gd name="connsiteY32" fmla="*/ 1597117 h 6858000"/>
-              <a:gd name="connsiteX33" fmla="*/ 1735936 w 1983504"/>
-              <a:gd name="connsiteY33" fmla="*/ 1636245 h 6858000"/>
-              <a:gd name="connsiteX34" fmla="*/ 1624228 w 1983504"/>
-              <a:gd name="connsiteY34" fmla="*/ 1657587 h 6858000"/>
-              <a:gd name="connsiteX35" fmla="*/ 1781223 w 1983504"/>
-              <a:gd name="connsiteY35" fmla="*/ 1849668 h 6858000"/>
-              <a:gd name="connsiteX36" fmla="*/ 1838587 w 1983504"/>
-              <a:gd name="connsiteY36" fmla="*/ 1903025 h 6858000"/>
-              <a:gd name="connsiteX37" fmla="*/ 1938218 w 1983504"/>
-              <a:gd name="connsiteY37" fmla="*/ 1984836 h 6858000"/>
-              <a:gd name="connsiteX38" fmla="*/ 1938218 w 1983504"/>
-              <a:gd name="connsiteY38" fmla="*/ 2013292 h 6858000"/>
-              <a:gd name="connsiteX39" fmla="*/ 1805376 w 1983504"/>
-              <a:gd name="connsiteY39" fmla="*/ 2102219 h 6858000"/>
-              <a:gd name="connsiteX40" fmla="*/ 1563844 w 1983504"/>
-              <a:gd name="connsiteY40" fmla="*/ 2077320 h 6858000"/>
-              <a:gd name="connsiteX41" fmla="*/ 1920104 w 1983504"/>
-              <a:gd name="connsiteY41" fmla="*/ 2208931 h 6858000"/>
-              <a:gd name="connsiteX42" fmla="*/ 766792 w 1983504"/>
-              <a:gd name="connsiteY42" fmla="*/ 1892353 h 6858000"/>
-              <a:gd name="connsiteX43" fmla="*/ 839252 w 1983504"/>
-              <a:gd name="connsiteY43" fmla="*/ 1974165 h 6858000"/>
-              <a:gd name="connsiteX44" fmla="*/ 1243816 w 1983504"/>
-              <a:gd name="connsiteY44" fmla="*/ 2191146 h 6858000"/>
-              <a:gd name="connsiteX45" fmla="*/ 1358543 w 1983504"/>
-              <a:gd name="connsiteY45" fmla="*/ 2326314 h 6858000"/>
-              <a:gd name="connsiteX46" fmla="*/ 1479310 w 1983504"/>
-              <a:gd name="connsiteY46" fmla="*/ 2401012 h 6858000"/>
-              <a:gd name="connsiteX47" fmla="*/ 1648381 w 1983504"/>
-              <a:gd name="connsiteY47" fmla="*/ 2401012 h 6858000"/>
-              <a:gd name="connsiteX48" fmla="*/ 1769146 w 1983504"/>
-              <a:gd name="connsiteY48" fmla="*/ 2518395 h 6858000"/>
-              <a:gd name="connsiteX49" fmla="*/ 1645361 w 1983504"/>
-              <a:gd name="connsiteY49" fmla="*/ 2543294 h 6858000"/>
-              <a:gd name="connsiteX50" fmla="*/ 1500444 w 1983504"/>
-              <a:gd name="connsiteY50" fmla="*/ 2525509 h 6858000"/>
-              <a:gd name="connsiteX51" fmla="*/ 1337410 w 1983504"/>
-              <a:gd name="connsiteY51" fmla="*/ 2564636 h 6858000"/>
-              <a:gd name="connsiteX52" fmla="*/ 1186452 w 1983504"/>
-              <a:gd name="connsiteY52" fmla="*/ 2532623 h 6858000"/>
-              <a:gd name="connsiteX53" fmla="*/ 1005304 w 1983504"/>
-              <a:gd name="connsiteY53" fmla="*/ 2553965 h 6858000"/>
-              <a:gd name="connsiteX54" fmla="*/ 947940 w 1983504"/>
-              <a:gd name="connsiteY54" fmla="*/ 2692689 h 6858000"/>
-              <a:gd name="connsiteX55" fmla="*/ 929826 w 1983504"/>
-              <a:gd name="connsiteY55" fmla="*/ 2703362 h 6858000"/>
-              <a:gd name="connsiteX56" fmla="*/ 594701 w 1983504"/>
-              <a:gd name="connsiteY56" fmla="*/ 2923898 h 6858000"/>
-              <a:gd name="connsiteX57" fmla="*/ 501108 w 1983504"/>
-              <a:gd name="connsiteY57" fmla="*/ 2941684 h 6858000"/>
-              <a:gd name="connsiteX58" fmla="*/ 1053610 w 1983504"/>
-              <a:gd name="connsiteY58" fmla="*/ 3329402 h 6858000"/>
-              <a:gd name="connsiteX59" fmla="*/ 682256 w 1983504"/>
-              <a:gd name="connsiteY59" fmla="*/ 3229805 h 6858000"/>
-              <a:gd name="connsiteX60" fmla="*/ 630932 w 1983504"/>
-              <a:gd name="connsiteY60" fmla="*/ 3393429 h 6858000"/>
-              <a:gd name="connsiteX61" fmla="*/ 806041 w 1983504"/>
-              <a:gd name="connsiteY61" fmla="*/ 3539269 h 6858000"/>
-              <a:gd name="connsiteX62" fmla="*/ 869444 w 1983504"/>
-              <a:gd name="connsiteY62" fmla="*/ 3827390 h 6858000"/>
-              <a:gd name="connsiteX63" fmla="*/ 839252 w 1983504"/>
-              <a:gd name="connsiteY63" fmla="*/ 4090612 h 6858000"/>
-              <a:gd name="connsiteX64" fmla="*/ 763774 w 1983504"/>
-              <a:gd name="connsiteY64" fmla="*/ 4172424 h 6858000"/>
-              <a:gd name="connsiteX65" fmla="*/ 655085 w 1983504"/>
-              <a:gd name="connsiteY65" fmla="*/ 4321821 h 6858000"/>
-              <a:gd name="connsiteX66" fmla="*/ 588662 w 1983504"/>
-              <a:gd name="connsiteY66" fmla="*/ 4414305 h 6858000"/>
-              <a:gd name="connsiteX67" fmla="*/ 356189 w 1983504"/>
-              <a:gd name="connsiteY67" fmla="*/ 4378734 h 6858000"/>
-              <a:gd name="connsiteX68" fmla="*/ 667160 w 1983504"/>
-              <a:gd name="connsiteY68" fmla="*/ 4613499 h 6858000"/>
-              <a:gd name="connsiteX69" fmla="*/ 416573 w 1983504"/>
-              <a:gd name="connsiteY69" fmla="*/ 4585042 h 6858000"/>
-              <a:gd name="connsiteX70" fmla="*/ 335056 w 1983504"/>
-              <a:gd name="connsiteY70" fmla="*/ 4602828 h 6858000"/>
-              <a:gd name="connsiteX71" fmla="*/ 380342 w 1983504"/>
-              <a:gd name="connsiteY71" fmla="*/ 4677526 h 6858000"/>
-              <a:gd name="connsiteX72" fmla="*/ 564510 w 1983504"/>
-              <a:gd name="connsiteY72" fmla="*/ 4805580 h 6858000"/>
-              <a:gd name="connsiteX73" fmla="*/ 944922 w 1983504"/>
-              <a:gd name="connsiteY73" fmla="*/ 5154171 h 6858000"/>
-              <a:gd name="connsiteX74" fmla="*/ 576586 w 1983504"/>
-              <a:gd name="connsiteY74" fmla="*/ 4994104 h 6858000"/>
-              <a:gd name="connsiteX75" fmla="*/ 963036 w 1983504"/>
-              <a:gd name="connsiteY75" fmla="*/ 5353367 h 6858000"/>
-              <a:gd name="connsiteX76" fmla="*/ 1047572 w 1983504"/>
-              <a:gd name="connsiteY76" fmla="*/ 5474306 h 6858000"/>
-              <a:gd name="connsiteX77" fmla="*/ 1222682 w 1983504"/>
-              <a:gd name="connsiteY77" fmla="*/ 5769542 h 6858000"/>
-              <a:gd name="connsiteX78" fmla="*/ 1213626 w 1983504"/>
-              <a:gd name="connsiteY78" fmla="*/ 5801555 h 6858000"/>
-              <a:gd name="connsiteX79" fmla="*/ 1014361 w 1983504"/>
-              <a:gd name="connsiteY79" fmla="*/ 5755314 h 6858000"/>
-              <a:gd name="connsiteX80" fmla="*/ 1274008 w 1983504"/>
-              <a:gd name="connsiteY80" fmla="*/ 6004307 h 6858000"/>
-              <a:gd name="connsiteX81" fmla="*/ 1542711 w 1983504"/>
-              <a:gd name="connsiteY81" fmla="*/ 6196388 h 6858000"/>
-              <a:gd name="connsiteX82" fmla="*/ 1352504 w 1983504"/>
-              <a:gd name="connsiteY82" fmla="*/ 6167932 h 6858000"/>
-              <a:gd name="connsiteX83" fmla="*/ 1089840 w 1983504"/>
-              <a:gd name="connsiteY83" fmla="*/ 6057663 h 6858000"/>
-              <a:gd name="connsiteX84" fmla="*/ 999266 w 1983504"/>
-              <a:gd name="connsiteY84" fmla="*/ 6100347 h 6858000"/>
-              <a:gd name="connsiteX85" fmla="*/ 1246836 w 1983504"/>
-              <a:gd name="connsiteY85" fmla="*/ 6281757 h 6858000"/>
-              <a:gd name="connsiteX86" fmla="*/ 1388735 w 1983504"/>
-              <a:gd name="connsiteY86" fmla="*/ 6367127 h 6858000"/>
-              <a:gd name="connsiteX87" fmla="*/ 1446099 w 1983504"/>
-              <a:gd name="connsiteY87" fmla="*/ 6431153 h 6858000"/>
-              <a:gd name="connsiteX88" fmla="*/ 1609132 w 1983504"/>
-              <a:gd name="connsiteY88" fmla="*/ 6658805 h 6858000"/>
-              <a:gd name="connsiteX89" fmla="*/ 1983504 w 1983504"/>
-              <a:gd name="connsiteY89" fmla="*/ 6858000 h 6858000"/>
-              <a:gd name="connsiteX90" fmla="*/ 0 w 1983504"/>
-              <a:gd name="connsiteY90" fmla="*/ 6858000 h 6858000"/>
-            </a:gdLst>
-            <a:ahLst/>
-            <a:cxnLst>
-              <a:cxn ang="0">
-                <a:pos x="connsiteX0" y="connsiteY0"/>
-              </a:cxn>
-              <a:cxn ang="0">
-                <a:pos x="connsiteX1" y="connsiteY1"/>
-              </a:cxn>
-              <a:cxn ang="0">
-                <a:pos x="connsiteX2" y="connsiteY2"/>
-              </a:cxn>
-              <a:cxn ang="0">
-                <a:pos x="connsiteX3" y="connsiteY3"/>
-              </a:cxn>
-              <a:cxn ang="0">
-                <a:pos x="connsiteX4" y="connsiteY4"/>
-              </a:cxn>
-              <a:cxn ang="0">
-                <a:pos x="connsiteX5" y="connsiteY5"/>
-              </a:cxn>
-              <a:cxn ang="0">
-                <a:pos x="connsiteX6" y="connsiteY6"/>
-              </a:cxn>
-              <a:cxn ang="0">
-                <a:pos x="connsiteX7" y="connsiteY7"/>
-              </a:cxn>
-              <a:cxn ang="0">
-                <a:pos x="connsiteX8" y="connsiteY8"/>
-              </a:cxn>
-              <a:cxn ang="0">
-                <a:pos x="connsiteX9" y="connsiteY9"/>
-              </a:cxn>
-              <a:cxn ang="0">
-                <a:pos x="connsiteX10" y="connsiteY10"/>
-              </a:cxn>
-              <a:cxn ang="0">
-                <a:pos x="connsiteX11" y="connsiteY11"/>
-              </a:cxn>
-              <a:cxn ang="0">
-                <a:pos x="connsiteX12" y="connsiteY12"/>
-              </a:cxn>
-              <a:cxn ang="0">
-                <a:pos x="connsiteX13" y="connsiteY13"/>
-              </a:cxn>
-              <a:cxn ang="0">
-                <a:pos x="connsiteX14" y="connsiteY14"/>
-              </a:cxn>
-              <a:cxn ang="0">
-                <a:pos x="connsiteX15" y="connsiteY15"/>
-              </a:cxn>
-              <a:cxn ang="0">
-                <a:pos x="connsiteX16" y="connsiteY16"/>
-              </a:cxn>
-              <a:cxn ang="0">
-                <a:pos x="connsiteX17" y="connsiteY17"/>
-              </a:cxn>
-              <a:cxn ang="0">
-                <a:pos x="connsiteX18" y="connsiteY18"/>
-              </a:cxn>
-              <a:cxn ang="0">
-                <a:pos x="connsiteX19" y="connsiteY19"/>
-              </a:cxn>
-              <a:cxn ang="0">
-                <a:pos x="connsiteX20" y="connsiteY20"/>
-              </a:cxn>
-              <a:cxn ang="0">
-                <a:pos x="connsiteX21" y="connsiteY21"/>
-              </a:cxn>
-              <a:cxn ang="0">
-                <a:pos x="connsiteX22" y="connsiteY22"/>
-              </a:cxn>
-              <a:cxn ang="0">
-                <a:pos x="connsiteX23" y="connsiteY23"/>
-              </a:cxn>
-              <a:cxn ang="0">
-                <a:pos x="connsiteX24" y="connsiteY24"/>
-              </a:cxn>
-              <a:cxn ang="0">
-                <a:pos x="connsiteX25" y="connsiteY25"/>
-              </a:cxn>
-              <a:cxn ang="0">
-                <a:pos x="connsiteX26" y="connsiteY26"/>
-              </a:cxn>
-              <a:cxn ang="0">
-                <a:pos x="connsiteX27" y="connsiteY27"/>
-              </a:cxn>
-              <a:cxn ang="0">
-                <a:pos x="connsiteX28" y="connsiteY28"/>
-              </a:cxn>
-              <a:cxn ang="0">
-                <a:pos x="connsiteX29" y="connsiteY29"/>
-              </a:cxn>
-              <a:cxn ang="0">
-                <a:pos x="connsiteX30" y="connsiteY30"/>
-              </a:cxn>
-              <a:cxn ang="0">
-                <a:pos x="connsiteX31" y="connsiteY31"/>
-              </a:cxn>
-              <a:cxn ang="0">
-                <a:pos x="connsiteX32" y="connsiteY32"/>
-              </a:cxn>
-              <a:cxn ang="0">
-                <a:pos x="connsiteX33" y="connsiteY33"/>
-              </a:cxn>
-              <a:cxn ang="0">
-                <a:pos x="connsiteX34" y="connsiteY34"/>
-              </a:cxn>
-              <a:cxn ang="0">
-                <a:pos x="connsiteX35" y="connsiteY35"/>
-              </a:cxn>
-              <a:cxn ang="0">
-                <a:pos x="connsiteX36" y="connsiteY36"/>
-              </a:cxn>
-              <a:cxn ang="0">
-                <a:pos x="connsiteX37" y="connsiteY37"/>
-              </a:cxn>
-              <a:cxn ang="0">
-                <a:pos x="connsiteX38" y="connsiteY38"/>
-              </a:cxn>
-              <a:cxn ang="0">
-                <a:pos x="connsiteX39" y="connsiteY39"/>
-              </a:cxn>
-              <a:cxn ang="0">
-                <a:pos x="connsiteX40" y="connsiteY40"/>
-              </a:cxn>
-              <a:cxn ang="0">
-                <a:pos x="connsiteX41" y="connsiteY41"/>
-              </a:cxn>
-              <a:cxn ang="0">
-                <a:pos x="connsiteX42" y="connsiteY42"/>
-              </a:cxn>
-              <a:cxn ang="0">
-                <a:pos x="connsiteX43" y="connsiteY43"/>
-              </a:cxn>
-              <a:cxn ang="0">
-                <a:pos x="connsiteX44" y="connsiteY44"/>
-              </a:cxn>
-              <a:cxn ang="0">
-                <a:pos x="connsiteX45" y="connsiteY45"/>
-              </a:cxn>
-              <a:cxn ang="0">
-                <a:pos x="connsiteX46" y="connsiteY46"/>
-              </a:cxn>
-              <a:cxn ang="0">
-                <a:pos x="connsiteX47" y="connsiteY47"/>
-              </a:cxn>
-              <a:cxn ang="0">
-                <a:pos x="connsiteX48" y="connsiteY48"/>
-              </a:cxn>
-              <a:cxn ang="0">
-                <a:pos x="connsiteX49" y="connsiteY49"/>
-              </a:cxn>
-              <a:cxn ang="0">
-                <a:pos x="connsiteX50" y="connsiteY50"/>
-              </a:cxn>
-              <a:cxn ang="0">
-                <a:pos x="connsiteX51" y="connsiteY51"/>
-              </a:cxn>
-              <a:cxn ang="0">
-                <a:pos x="connsiteX52" y="connsiteY52"/>
-              </a:cxn>
-              <a:cxn ang="0">
-                <a:pos x="connsiteX53" y="connsiteY53"/>
-              </a:cxn>
-              <a:cxn ang="0">
-                <a:pos x="connsiteX54" y="connsiteY54"/>
-              </a:cxn>
-              <a:cxn ang="0">
-                <a:pos x="connsiteX55" y="connsiteY55"/>
-              </a:cxn>
-              <a:cxn ang="0">
-                <a:pos x="connsiteX56" y="connsiteY56"/>
-              </a:cxn>
-              <a:cxn ang="0">
-                <a:pos x="connsiteX57" y="connsiteY57"/>
-              </a:cxn>
-              <a:cxn ang="0">
-                <a:pos x="connsiteX58" y="connsiteY58"/>
-              </a:cxn>
-              <a:cxn ang="0">
-                <a:pos x="connsiteX59" y="connsiteY59"/>
-              </a:cxn>
-              <a:cxn ang="0">
-                <a:pos x="connsiteX60" y="connsiteY60"/>
-              </a:cxn>
-              <a:cxn ang="0">
-                <a:pos x="connsiteX61" y="connsiteY61"/>
-              </a:cxn>
-              <a:cxn ang="0">
-                <a:pos x="connsiteX62" y="connsiteY62"/>
-              </a:cxn>
-              <a:cxn ang="0">
-                <a:pos x="connsiteX63" y="connsiteY63"/>
-              </a:cxn>
-              <a:cxn ang="0">
-                <a:pos x="connsiteX64" y="connsiteY64"/>
-              </a:cxn>
-              <a:cxn ang="0">
-                <a:pos x="connsiteX65" y="connsiteY65"/>
-              </a:cxn>
-              <a:cxn ang="0">
-                <a:pos x="connsiteX66" y="connsiteY66"/>
-              </a:cxn>
-              <a:cxn ang="0">
-                <a:pos x="connsiteX67" y="connsiteY67"/>
-              </a:cxn>
-              <a:cxn ang="0">
-                <a:pos x="connsiteX68" y="connsiteY68"/>
-              </a:cxn>
-              <a:cxn ang="0">
-                <a:pos x="connsiteX69" y="connsiteY69"/>
-              </a:cxn>
-              <a:cxn ang="0">
-                <a:pos x="connsiteX70" y="connsiteY70"/>
-              </a:cxn>
-              <a:cxn ang="0">
-                <a:pos x="connsiteX71" y="connsiteY71"/>
-              </a:cxn>
-              <a:cxn ang="0">
-                <a:pos x="connsiteX72" y="connsiteY72"/>
-              </a:cxn>
-              <a:cxn ang="0">
-                <a:pos x="connsiteX73" y="connsiteY73"/>
-              </a:cxn>
-              <a:cxn ang="0">
-                <a:pos x="connsiteX74" y="connsiteY74"/>
-              </a:cxn>
-              <a:cxn ang="0">
-                <a:pos x="connsiteX75" y="connsiteY75"/>
-              </a:cxn>
-              <a:cxn ang="0">
-                <a:pos x="connsiteX76" y="connsiteY76"/>
-              </a:cxn>
-              <a:cxn ang="0">
-                <a:pos x="connsiteX77" y="connsiteY77"/>
-              </a:cxn>
-              <a:cxn ang="0">
-                <a:pos x="connsiteX78" y="connsiteY78"/>
-              </a:cxn>
-              <a:cxn ang="0">
-                <a:pos x="connsiteX79" y="connsiteY79"/>
-              </a:cxn>
-              <a:cxn ang="0">
-                <a:pos x="connsiteX80" y="connsiteY80"/>
-              </a:cxn>
-              <a:cxn ang="0">
-                <a:pos x="connsiteX81" y="connsiteY81"/>
-              </a:cxn>
-              <a:cxn ang="0">
-                <a:pos x="connsiteX82" y="connsiteY82"/>
-              </a:cxn>
-              <a:cxn ang="0">
-                <a:pos x="connsiteX83" y="connsiteY83"/>
-              </a:cxn>
-              <a:cxn ang="0">
-                <a:pos x="connsiteX84" y="connsiteY84"/>
-              </a:cxn>
-              <a:cxn ang="0">
-                <a:pos x="connsiteX85" y="connsiteY85"/>
-              </a:cxn>
-              <a:cxn ang="0">
-                <a:pos x="connsiteX86" y="connsiteY86"/>
-              </a:cxn>
-              <a:cxn ang="0">
-                <a:pos x="connsiteX87" y="connsiteY87"/>
-              </a:cxn>
-              <a:cxn ang="0">
-                <a:pos x="connsiteX88" y="connsiteY88"/>
-              </a:cxn>
-              <a:cxn ang="0">
-                <a:pos x="connsiteX89" y="connsiteY89"/>
-              </a:cxn>
-              <a:cxn ang="0">
-                <a:pos x="connsiteX90" y="connsiteY90"/>
-              </a:cxn>
-            </a:cxnLst>
-            <a:rect l="l" t="t" r="r" b="b"/>
-            <a:pathLst>
-              <a:path w="1983504" h="6858000">
-                <a:moveTo>
-                  <a:pt x="0" y="0"/>
-                </a:moveTo>
-                <a:lnTo>
-                  <a:pt x="1376658" y="0"/>
-                </a:lnTo>
-                <a:cubicBezTo>
-                  <a:pt x="1482328" y="35571"/>
-                  <a:pt x="1584980" y="78255"/>
-                  <a:pt x="1690650" y="110269"/>
-                </a:cubicBezTo>
-                <a:cubicBezTo>
-                  <a:pt x="1675553" y="145839"/>
-                  <a:pt x="1660458" y="138725"/>
-                  <a:pt x="1645361" y="135168"/>
-                </a:cubicBezTo>
-                <a:cubicBezTo>
-                  <a:pt x="1554788" y="120941"/>
-                  <a:pt x="1461194" y="110269"/>
-                  <a:pt x="1373640" y="71141"/>
-                </a:cubicBezTo>
-                <a:cubicBezTo>
-                  <a:pt x="1352504" y="64027"/>
-                  <a:pt x="1328352" y="64027"/>
-                  <a:pt x="1319295" y="88927"/>
-                </a:cubicBezTo>
-                <a:cubicBezTo>
-                  <a:pt x="1304199" y="124497"/>
-                  <a:pt x="1325332" y="145839"/>
-                  <a:pt x="1346468" y="163625"/>
-                </a:cubicBezTo>
-                <a:cubicBezTo>
-                  <a:pt x="1382696" y="195638"/>
-                  <a:pt x="1424964" y="188525"/>
-                  <a:pt x="1464213" y="192082"/>
-                </a:cubicBezTo>
-                <a:cubicBezTo>
-                  <a:pt x="1572902" y="209867"/>
-                  <a:pt x="1624228" y="259665"/>
-                  <a:pt x="1648381" y="373491"/>
-                </a:cubicBezTo>
-                <a:cubicBezTo>
-                  <a:pt x="1554788" y="327250"/>
-                  <a:pt x="1461194" y="384162"/>
-                  <a:pt x="1370620" y="352148"/>
-                </a:cubicBezTo>
-                <a:cubicBezTo>
-                  <a:pt x="1346468" y="345034"/>
-                  <a:pt x="1310237" y="355706"/>
-                  <a:pt x="1322314" y="394834"/>
-                </a:cubicBezTo>
-                <a:cubicBezTo>
-                  <a:pt x="1334390" y="430405"/>
-                  <a:pt x="1373640" y="458860"/>
-                  <a:pt x="1304199" y="451747"/>
-                </a:cubicBezTo>
-                <a:cubicBezTo>
-                  <a:pt x="1252873" y="448189"/>
-                  <a:pt x="1237778" y="405504"/>
-                  <a:pt x="1222682" y="359262"/>
-                </a:cubicBezTo>
-                <a:cubicBezTo>
-                  <a:pt x="1210606" y="334364"/>
-                  <a:pt x="1177395" y="320135"/>
-                  <a:pt x="1153242" y="334364"/>
-                </a:cubicBezTo>
-                <a:cubicBezTo>
-                  <a:pt x="1123051" y="348592"/>
-                  <a:pt x="1132108" y="387720"/>
-                  <a:pt x="1132108" y="416176"/>
-                </a:cubicBezTo>
-                <a:cubicBezTo>
-                  <a:pt x="1129088" y="469532"/>
-                  <a:pt x="1153242" y="494431"/>
-                  <a:pt x="1195509" y="505101"/>
-                </a:cubicBezTo>
-                <a:cubicBezTo>
-                  <a:pt x="1246836" y="519330"/>
-                  <a:pt x="1298160" y="537116"/>
-                  <a:pt x="1364582" y="558458"/>
-                </a:cubicBezTo>
-                <a:cubicBezTo>
-                  <a:pt x="1292122" y="594028"/>
-                  <a:pt x="1237778" y="586915"/>
-                  <a:pt x="1183434" y="558458"/>
-                </a:cubicBezTo>
-                <a:cubicBezTo>
-                  <a:pt x="1117012" y="526444"/>
-                  <a:pt x="1029458" y="483759"/>
-                  <a:pt x="975114" y="522887"/>
-                </a:cubicBezTo>
-                <a:cubicBezTo>
-                  <a:pt x="893597" y="579800"/>
-                  <a:pt x="827176" y="544229"/>
-                  <a:pt x="754716" y="533558"/>
-                </a:cubicBezTo>
-                <a:cubicBezTo>
-                  <a:pt x="603758" y="512216"/>
-                  <a:pt x="697352" y="480203"/>
-                  <a:pt x="546395" y="462417"/>
-                </a:cubicBezTo>
-                <a:cubicBezTo>
-                  <a:pt x="486012" y="455303"/>
-                  <a:pt x="422610" y="426847"/>
-                  <a:pt x="335056" y="465975"/>
-                </a:cubicBezTo>
-                <a:cubicBezTo>
-                  <a:pt x="730563" y="672284"/>
-                  <a:pt x="917750" y="658055"/>
-                  <a:pt x="1270988" y="910606"/>
-                </a:cubicBezTo>
-                <a:cubicBezTo>
-                  <a:pt x="1255893" y="935506"/>
-                  <a:pt x="1240798" y="924835"/>
-                  <a:pt x="1225701" y="921277"/>
-                </a:cubicBezTo>
-                <a:cubicBezTo>
-                  <a:pt x="1201548" y="917720"/>
-                  <a:pt x="1171356" y="903491"/>
-                  <a:pt x="1165318" y="949734"/>
-                </a:cubicBezTo>
-                <a:cubicBezTo>
-                  <a:pt x="1162298" y="985305"/>
-                  <a:pt x="1180415" y="1003089"/>
-                  <a:pt x="1210606" y="1006647"/>
-                </a:cubicBezTo>
-                <a:cubicBezTo>
-                  <a:pt x="1298160" y="1020875"/>
-                  <a:pt x="1376658" y="1070674"/>
-                  <a:pt x="1455156" y="1113358"/>
-                </a:cubicBezTo>
-                <a:cubicBezTo>
-                  <a:pt x="1491385" y="1131144"/>
-                  <a:pt x="1530634" y="1156043"/>
-                  <a:pt x="1515538" y="1220069"/>
-                </a:cubicBezTo>
-                <a:cubicBezTo>
-                  <a:pt x="1485348" y="1237855"/>
-                  <a:pt x="1464213" y="1212955"/>
-                  <a:pt x="1440060" y="1209399"/>
-                </a:cubicBezTo>
-                <a:cubicBezTo>
-                  <a:pt x="1415907" y="1205842"/>
-                  <a:pt x="1358543" y="1220069"/>
-                  <a:pt x="1373640" y="1230741"/>
-                </a:cubicBezTo>
-                <a:cubicBezTo>
-                  <a:pt x="1443080" y="1269868"/>
-                  <a:pt x="1316276" y="1365909"/>
-                  <a:pt x="1400810" y="1365909"/>
-                </a:cubicBezTo>
-                <a:cubicBezTo>
-                  <a:pt x="1539691" y="1365909"/>
-                  <a:pt x="1615170" y="1536647"/>
-                  <a:pt x="1748012" y="1540204"/>
-                </a:cubicBezTo>
-                <a:cubicBezTo>
-                  <a:pt x="1769146" y="1540204"/>
-                  <a:pt x="1778203" y="1572219"/>
-                  <a:pt x="1778203" y="1597117"/>
-                </a:cubicBezTo>
-                <a:cubicBezTo>
-                  <a:pt x="1778203" y="1629132"/>
-                  <a:pt x="1757070" y="1632688"/>
-                  <a:pt x="1735936" y="1636245"/>
-                </a:cubicBezTo>
-                <a:cubicBezTo>
-                  <a:pt x="1702725" y="1639802"/>
-                  <a:pt x="1666496" y="1597117"/>
-                  <a:pt x="1624228" y="1657587"/>
-                </a:cubicBezTo>
-                <a:cubicBezTo>
-                  <a:pt x="1702725" y="1693158"/>
-                  <a:pt x="1784242" y="1728729"/>
-                  <a:pt x="1781223" y="1849668"/>
-                </a:cubicBezTo>
-                <a:cubicBezTo>
-                  <a:pt x="1781223" y="1881683"/>
-                  <a:pt x="1814434" y="1895910"/>
-                  <a:pt x="1838587" y="1903025"/>
-                </a:cubicBezTo>
-                <a:cubicBezTo>
-                  <a:pt x="1880854" y="1917252"/>
-                  <a:pt x="1914065" y="1938595"/>
-                  <a:pt x="1938218" y="1984836"/>
-                </a:cubicBezTo>
-                <a:cubicBezTo>
-                  <a:pt x="1938218" y="1995507"/>
-                  <a:pt x="1938218" y="2002622"/>
-                  <a:pt x="1938218" y="2013292"/>
-                </a:cubicBezTo>
-                <a:cubicBezTo>
-                  <a:pt x="1932180" y="2123562"/>
-                  <a:pt x="1871798" y="2120004"/>
-                  <a:pt x="1805376" y="2102219"/>
-                </a:cubicBezTo>
-                <a:cubicBezTo>
-                  <a:pt x="1726878" y="2080877"/>
-                  <a:pt x="1648381" y="2038192"/>
-                  <a:pt x="1563844" y="2077320"/>
-                </a:cubicBezTo>
-                <a:cubicBezTo>
-                  <a:pt x="1681592" y="2130676"/>
-                  <a:pt x="1811414" y="2134233"/>
-                  <a:pt x="1920104" y="2208931"/>
-                </a:cubicBezTo>
-                <a:cubicBezTo>
-                  <a:pt x="1515538" y="2223159"/>
-                  <a:pt x="1159280" y="1984836"/>
-                  <a:pt x="766792" y="1892353"/>
-                </a:cubicBezTo>
-                <a:cubicBezTo>
-                  <a:pt x="778869" y="1952823"/>
-                  <a:pt x="812080" y="1967051"/>
-                  <a:pt x="839252" y="1974165"/>
-                </a:cubicBezTo>
-                <a:cubicBezTo>
-                  <a:pt x="984170" y="2020407"/>
-                  <a:pt x="1110974" y="2112891"/>
-                  <a:pt x="1243816" y="2191146"/>
-                </a:cubicBezTo>
-                <a:cubicBezTo>
-                  <a:pt x="1298160" y="2223159"/>
-                  <a:pt x="1337410" y="2258731"/>
-                  <a:pt x="1358543" y="2326314"/>
-                </a:cubicBezTo>
-                <a:cubicBezTo>
-                  <a:pt x="1376658" y="2390340"/>
-                  <a:pt x="1412888" y="2418796"/>
-                  <a:pt x="1479310" y="2401012"/>
-                </a:cubicBezTo>
-                <a:cubicBezTo>
-                  <a:pt x="1533654" y="2386784"/>
-                  <a:pt x="1591018" y="2393898"/>
-                  <a:pt x="1648381" y="2401012"/>
-                </a:cubicBezTo>
-                <a:cubicBezTo>
-                  <a:pt x="1711782" y="2408126"/>
-                  <a:pt x="1784242" y="2479267"/>
-                  <a:pt x="1769146" y="2518395"/>
-                </a:cubicBezTo>
-                <a:cubicBezTo>
-                  <a:pt x="1738956" y="2582422"/>
-                  <a:pt x="1687630" y="2550408"/>
-                  <a:pt x="1645361" y="2543294"/>
-                </a:cubicBezTo>
-                <a:cubicBezTo>
-                  <a:pt x="1594036" y="2536181"/>
-                  <a:pt x="1500444" y="2518395"/>
-                  <a:pt x="1500444" y="2525509"/>
-                </a:cubicBezTo>
-                <a:cubicBezTo>
-                  <a:pt x="1467232" y="2685576"/>
-                  <a:pt x="1391754" y="2564636"/>
-                  <a:pt x="1337410" y="2564636"/>
-                </a:cubicBezTo>
-                <a:cubicBezTo>
-                  <a:pt x="1286084" y="2564636"/>
-                  <a:pt x="1234759" y="2546851"/>
-                  <a:pt x="1186452" y="2532623"/>
-                </a:cubicBezTo>
-                <a:cubicBezTo>
-                  <a:pt x="1123051" y="2514837"/>
-                  <a:pt x="1065688" y="2546851"/>
-                  <a:pt x="1005304" y="2553965"/>
-                </a:cubicBezTo>
-                <a:cubicBezTo>
-                  <a:pt x="950960" y="2561080"/>
-                  <a:pt x="981150" y="2653563"/>
-                  <a:pt x="947940" y="2692689"/>
-                </a:cubicBezTo>
-                <a:cubicBezTo>
-                  <a:pt x="941903" y="2703362"/>
-                  <a:pt x="935864" y="2703362"/>
-                  <a:pt x="929826" y="2703362"/>
-                </a:cubicBezTo>
-                <a:cubicBezTo>
-                  <a:pt x="911711" y="2980812"/>
-                  <a:pt x="594701" y="2913227"/>
-                  <a:pt x="594701" y="2923898"/>
-                </a:cubicBezTo>
-                <a:cubicBezTo>
-                  <a:pt x="567529" y="2941684"/>
-                  <a:pt x="534318" y="2899000"/>
-                  <a:pt x="501108" y="2941684"/>
-                </a:cubicBezTo>
-                <a:cubicBezTo>
-                  <a:pt x="643007" y="3137322"/>
-                  <a:pt x="860386" y="3183563"/>
-                  <a:pt x="1053610" y="3329402"/>
-                </a:cubicBezTo>
-                <a:cubicBezTo>
-                  <a:pt x="893597" y="3379202"/>
-                  <a:pt x="800002" y="3208463"/>
-                  <a:pt x="682256" y="3229805"/>
-                </a:cubicBezTo>
-                <a:cubicBezTo>
-                  <a:pt x="624893" y="3283162"/>
-                  <a:pt x="796984" y="3368530"/>
-                  <a:pt x="630932" y="3393429"/>
-                </a:cubicBezTo>
-                <a:cubicBezTo>
-                  <a:pt x="703390" y="3439672"/>
-                  <a:pt x="754716" y="3485914"/>
-                  <a:pt x="806041" y="3539269"/>
-                </a:cubicBezTo>
-                <a:cubicBezTo>
-                  <a:pt x="893597" y="3635309"/>
-                  <a:pt x="911711" y="3699337"/>
-                  <a:pt x="869444" y="3827390"/>
-                </a:cubicBezTo>
-                <a:cubicBezTo>
-                  <a:pt x="842270" y="3912759"/>
-                  <a:pt x="803022" y="3991015"/>
-                  <a:pt x="839252" y="4090612"/>
-                </a:cubicBezTo>
-                <a:cubicBezTo>
-                  <a:pt x="863405" y="4158196"/>
-                  <a:pt x="854347" y="4204438"/>
-                  <a:pt x="763774" y="4172424"/>
-                </a:cubicBezTo>
-                <a:cubicBezTo>
-                  <a:pt x="667160" y="4140411"/>
-                  <a:pt x="630932" y="4200882"/>
-                  <a:pt x="655085" y="4321821"/>
-                </a:cubicBezTo>
-                <a:cubicBezTo>
-                  <a:pt x="670179" y="4400076"/>
-                  <a:pt x="655085" y="4424975"/>
-                  <a:pt x="588662" y="4414305"/>
-                </a:cubicBezTo>
-                <a:cubicBezTo>
-                  <a:pt x="516204" y="4403633"/>
-                  <a:pt x="446764" y="4353835"/>
-                  <a:pt x="356189" y="4378734"/>
-                </a:cubicBezTo>
-                <a:cubicBezTo>
-                  <a:pt x="428648" y="4521016"/>
-                  <a:pt x="582626" y="4478331"/>
-                  <a:pt x="667160" y="4613499"/>
-                </a:cubicBezTo>
-                <a:cubicBezTo>
-                  <a:pt x="567529" y="4613499"/>
-                  <a:pt x="489031" y="4613499"/>
-                  <a:pt x="416573" y="4585042"/>
-                </a:cubicBezTo>
-                <a:cubicBezTo>
-                  <a:pt x="386381" y="4574373"/>
-                  <a:pt x="353170" y="4560144"/>
-                  <a:pt x="335056" y="4602828"/>
-                </a:cubicBezTo>
-                <a:cubicBezTo>
-                  <a:pt x="313920" y="4652628"/>
-                  <a:pt x="356189" y="4670412"/>
-                  <a:pt x="380342" y="4677526"/>
-                </a:cubicBezTo>
-                <a:cubicBezTo>
-                  <a:pt x="449784" y="4702425"/>
-                  <a:pt x="504126" y="4759339"/>
-                  <a:pt x="564510" y="4805580"/>
-                </a:cubicBezTo>
-                <a:cubicBezTo>
-                  <a:pt x="694332" y="4905177"/>
-                  <a:pt x="836233" y="4990547"/>
-                  <a:pt x="944922" y="5154171"/>
-                </a:cubicBezTo>
-                <a:cubicBezTo>
-                  <a:pt x="809060" y="5111487"/>
-                  <a:pt x="706410" y="5011889"/>
-                  <a:pt x="576586" y="4994104"/>
-                </a:cubicBezTo>
-                <a:cubicBezTo>
-                  <a:pt x="688296" y="5143500"/>
-                  <a:pt x="830194" y="5243097"/>
-                  <a:pt x="963036" y="5353367"/>
-                </a:cubicBezTo>
-                <a:cubicBezTo>
-                  <a:pt x="1002286" y="5385379"/>
-                  <a:pt x="1041534" y="5406721"/>
-                  <a:pt x="1047572" y="5474306"/>
-                </a:cubicBezTo>
-                <a:cubicBezTo>
-                  <a:pt x="1065688" y="5605917"/>
-                  <a:pt x="1113992" y="5712629"/>
-                  <a:pt x="1222682" y="5769542"/>
-                </a:cubicBezTo>
-                <a:cubicBezTo>
-                  <a:pt x="1222682" y="5769542"/>
-                  <a:pt x="1216644" y="5790884"/>
-                  <a:pt x="1213626" y="5801555"/>
-                </a:cubicBezTo>
-                <a:cubicBezTo>
-                  <a:pt x="1147203" y="5805112"/>
-                  <a:pt x="1095878" y="5726858"/>
-                  <a:pt x="1014361" y="5755314"/>
-                </a:cubicBezTo>
-                <a:cubicBezTo>
-                  <a:pt x="1095878" y="5862025"/>
-                  <a:pt x="1162298" y="5954508"/>
-                  <a:pt x="1274008" y="6004307"/>
-                </a:cubicBezTo>
-                <a:cubicBezTo>
-                  <a:pt x="1364582" y="6043434"/>
-                  <a:pt x="1476290" y="6068335"/>
-                  <a:pt x="1542711" y="6196388"/>
-                </a:cubicBezTo>
-                <a:cubicBezTo>
-                  <a:pt x="1467232" y="6221287"/>
-                  <a:pt x="1409868" y="6189274"/>
-                  <a:pt x="1352504" y="6167932"/>
-                </a:cubicBezTo>
-                <a:cubicBezTo>
-                  <a:pt x="1264950" y="6132361"/>
-                  <a:pt x="1177395" y="6093234"/>
-                  <a:pt x="1089840" y="6057663"/>
-                </a:cubicBezTo>
-                <a:cubicBezTo>
-                  <a:pt x="1056628" y="6043434"/>
-                  <a:pt x="1020400" y="6036320"/>
-                  <a:pt x="999266" y="6100347"/>
-                </a:cubicBezTo>
-                <a:cubicBezTo>
-                  <a:pt x="1110974" y="6114575"/>
-                  <a:pt x="1177395" y="6199945"/>
-                  <a:pt x="1246836" y="6281757"/>
-                </a:cubicBezTo>
-                <a:cubicBezTo>
-                  <a:pt x="1286084" y="6327999"/>
-                  <a:pt x="1319295" y="6388469"/>
-                  <a:pt x="1388735" y="6367127"/>
-                </a:cubicBezTo>
-                <a:cubicBezTo>
-                  <a:pt x="1424964" y="6356456"/>
-                  <a:pt x="1449118" y="6388469"/>
-                  <a:pt x="1446099" y="6431153"/>
-                </a:cubicBezTo>
-                <a:cubicBezTo>
-                  <a:pt x="1431002" y="6580550"/>
-                  <a:pt x="1518558" y="6630349"/>
-                  <a:pt x="1609132" y="6658805"/>
-                </a:cubicBezTo>
-                <a:cubicBezTo>
-                  <a:pt x="1741974" y="6701489"/>
-                  <a:pt x="1859720" y="6786859"/>
-                  <a:pt x="1983504" y="6858000"/>
-                </a:cubicBezTo>
-                <a:lnTo>
-                  <a:pt x="0" y="6858000"/>
-                </a:lnTo>
-                <a:close/>
-              </a:path>
-            </a:pathLst>
-          </a:custGeom>
-          <a:solidFill>
-            <a:schemeClr val="bg2">
-              <a:alpha val="50000"/>
-            </a:schemeClr>
-          </a:solidFill>
-          <a:ln w="32707" cap="flat">
-            <a:noFill/>
-            <a:prstDash val="solid"/>
-            <a:miter/>
-          </a:ln>
-        </p:spPr>
-        <p:txBody>
-          <a:bodyPr wrap="square" rtlCol="0" anchor="ctr">
-            <a:noAutofit/>
-          </a:bodyPr>
-          <a:lstStyle/>
-          <a:p>
-            <a:pPr algn="ctr"/>
-            <a:endParaRPr lang="en-US"/>
-          </a:p>
-        </p:txBody>
-      </p:sp>
-      <p:pic>
-        <p:nvPicPr>
-          <p:cNvPr id="11" name="Picture 10" descr="A close up of a logo&#10;&#10;Description automatically generated">
-            <a:extLst>
-              <a:ext uri="{FF2B5EF4-FFF2-40B4-BE49-F238E27FC236}">
-                <a16:creationId xmlns:a16="http://schemas.microsoft.com/office/drawing/2014/main" id="{ADFCDD4A-B833-5C35-2EF6-1BA3D8A4F98F}"/>
+                <a16:creationId xmlns:a16="http://schemas.microsoft.com/office/drawing/2014/main" id="{AB3B5F45-2881-B8FA-DA0D-352FE5AA5895}"/>
               </a:ext>
             </a:extLst>
           </p:cNvPr>
@@ -4519,7 +3989,7 @@
           </p:cNvPicPr>
           <p:nvPr/>
         </p:nvPicPr>
-        <p:blipFill>
+        <p:blipFill rotWithShape="1">
           <a:blip r:embed="rId2">
             <a:extLst>
               <a:ext uri="{28A0092B-C50C-407E-A947-70E740481C1C}">
@@ -4527,14 +3997,13 @@
               </a:ext>
             </a:extLst>
           </a:blip>
-          <a:stretch>
-            <a:fillRect/>
-          </a:stretch>
+          <a:srcRect l="24732" r="21742" b="1"/>
+          <a:stretch/>
         </p:blipFill>
         <p:spPr>
           <a:xfrm>
-            <a:off x="2562225" y="642938"/>
-            <a:ext cx="3673475" cy="1698625"/>
+            <a:off x="261406" y="557189"/>
+            <a:ext cx="4605806" cy="5743618"/>
           </a:xfrm>
           <a:prstGeom prst="rect">
             <a:avLst/>
@@ -4543,10 +4012,10 @@
       </p:pic>
       <p:pic>
         <p:nvPicPr>
-          <p:cNvPr id="13" name="Picture 12" descr="A black and red background with white text&#10;&#10;Description automatically generated">
+          <p:cNvPr id="5" name="Grafik 4" descr="Ein Bild, das Sport, Trampolin enthält.&#10;&#10;Automatisch generierte Beschreibung">
             <a:extLst>
               <a:ext uri="{FF2B5EF4-FFF2-40B4-BE49-F238E27FC236}">
-                <a16:creationId xmlns:a16="http://schemas.microsoft.com/office/drawing/2014/main" id="{F12E4CE5-8D69-1064-71C5-0DD4A41B2A9B}"/>
+                <a16:creationId xmlns:a16="http://schemas.microsoft.com/office/drawing/2014/main" id="{896CB7C7-D343-15E9-A975-9E3ABBF0EB91}"/>
               </a:ext>
             </a:extLst>
           </p:cNvPr>
@@ -4555,7 +4024,7 @@
           </p:cNvPicPr>
           <p:nvPr/>
         </p:nvPicPr>
-        <p:blipFill>
+        <p:blipFill rotWithShape="1">
           <a:blip r:embed="rId3">
             <a:extLst>
               <a:ext uri="{28A0092B-C50C-407E-A947-70E740481C1C}">
@@ -4563,194 +4032,13 @@
               </a:ext>
             </a:extLst>
           </a:blip>
-          <a:stretch>
-            <a:fillRect/>
-          </a:stretch>
+          <a:srcRect l="30571" r="15844" b="1"/>
+          <a:stretch/>
         </p:blipFill>
         <p:spPr>
           <a:xfrm>
-            <a:off x="2562225" y="2411413"/>
-            <a:ext cx="3673475" cy="1714500"/>
-          </a:xfrm>
-          <a:prstGeom prst="rect">
-            <a:avLst/>
-          </a:prstGeom>
-        </p:spPr>
-      </p:pic>
-      <p:pic>
-        <p:nvPicPr>
-          <p:cNvPr id="9" name="Picture 8" descr="A white background with red text&#10;&#10;Description automatically generated">
-            <a:extLst>
-              <a:ext uri="{FF2B5EF4-FFF2-40B4-BE49-F238E27FC236}">
-                <a16:creationId xmlns:a16="http://schemas.microsoft.com/office/drawing/2014/main" id="{82342A31-C982-D464-A6D3-03FD32CFDB53}"/>
-              </a:ext>
-            </a:extLst>
-          </p:cNvPr>
-          <p:cNvPicPr>
-            <a:picLocks noChangeAspect="1"/>
-          </p:cNvPicPr>
-          <p:nvPr/>
-        </p:nvPicPr>
-        <p:blipFill>
-          <a:blip r:embed="rId4">
-            <a:extLst>
-              <a:ext uri="{28A0092B-C50C-407E-A947-70E740481C1C}">
-                <a14:useLocalDpi xmlns:a14="http://schemas.microsoft.com/office/drawing/2010/main" val="0"/>
-              </a:ext>
-            </a:extLst>
-          </a:blip>
-          <a:stretch>
-            <a:fillRect/>
-          </a:stretch>
-        </p:blipFill>
-        <p:spPr>
-          <a:xfrm>
-            <a:off x="2562225" y="4192588"/>
-            <a:ext cx="3673475" cy="2022475"/>
-          </a:xfrm>
-          <a:prstGeom prst="rect">
-            <a:avLst/>
-          </a:prstGeom>
-        </p:spPr>
-      </p:pic>
-      <p:pic>
-        <p:nvPicPr>
-          <p:cNvPr id="3" name="Picture 2" descr="A red and black logo&#10;&#10;Description automatically generated">
-            <a:extLst>
-              <a:ext uri="{FF2B5EF4-FFF2-40B4-BE49-F238E27FC236}">
-                <a16:creationId xmlns:a16="http://schemas.microsoft.com/office/drawing/2014/main" id="{517E1DFF-DF8E-7058-D42D-53FEE40E79AD}"/>
-              </a:ext>
-            </a:extLst>
-          </p:cNvPr>
-          <p:cNvPicPr>
-            <a:picLocks noChangeAspect="1"/>
-          </p:cNvPicPr>
-          <p:nvPr/>
-        </p:nvPicPr>
-        <p:blipFill>
-          <a:blip r:embed="rId5">
-            <a:extLst>
-              <a:ext uri="{28A0092B-C50C-407E-A947-70E740481C1C}">
-                <a14:useLocalDpi xmlns:a14="http://schemas.microsoft.com/office/drawing/2010/main" val="0"/>
-              </a:ext>
-            </a:extLst>
-          </a:blip>
-          <a:stretch>
-            <a:fillRect/>
-          </a:stretch>
-        </p:blipFill>
-        <p:spPr>
-          <a:xfrm>
-            <a:off x="6302375" y="642938"/>
-            <a:ext cx="2447925" cy="1441450"/>
-          </a:xfrm>
-          <a:prstGeom prst="rect">
-            <a:avLst/>
-          </a:prstGeom>
-        </p:spPr>
-      </p:pic>
-      <p:pic>
-        <p:nvPicPr>
-          <p:cNvPr id="7" name="Picture 6" descr="A red square with black text&#10;&#10;Description automatically generated">
-            <a:extLst>
-              <a:ext uri="{FF2B5EF4-FFF2-40B4-BE49-F238E27FC236}">
-                <a16:creationId xmlns:a16="http://schemas.microsoft.com/office/drawing/2014/main" id="{5000BF4F-D86B-B90F-4963-CE3E0916CCAB}"/>
-              </a:ext>
-            </a:extLst>
-          </p:cNvPr>
-          <p:cNvPicPr>
-            <a:picLocks noChangeAspect="1"/>
-          </p:cNvPicPr>
-          <p:nvPr/>
-        </p:nvPicPr>
-        <p:blipFill>
-          <a:blip r:embed="rId6">
-            <a:extLst>
-              <a:ext uri="{28A0092B-C50C-407E-A947-70E740481C1C}">
-                <a14:useLocalDpi xmlns:a14="http://schemas.microsoft.com/office/drawing/2010/main" val="0"/>
-              </a:ext>
-            </a:extLst>
-          </a:blip>
-          <a:stretch>
-            <a:fillRect/>
-          </a:stretch>
-        </p:blipFill>
-        <p:spPr>
-          <a:xfrm>
-            <a:off x="6302375" y="2154238"/>
-            <a:ext cx="2447925" cy="1101725"/>
-          </a:xfrm>
-          <a:prstGeom prst="rect">
-            <a:avLst/>
-          </a:prstGeom>
-        </p:spPr>
-      </p:pic>
-      <p:pic>
-        <p:nvPicPr>
-          <p:cNvPr id="5" name="Picture 4" descr="A red flag with black text&#10;&#10;Description automatically generated">
-            <a:extLst>
-              <a:ext uri="{FF2B5EF4-FFF2-40B4-BE49-F238E27FC236}">
-                <a16:creationId xmlns:a16="http://schemas.microsoft.com/office/drawing/2014/main" id="{6DAE65DC-561A-9F2B-C537-4740777AECFC}"/>
-              </a:ext>
-            </a:extLst>
-          </p:cNvPr>
-          <p:cNvPicPr>
-            <a:picLocks noChangeAspect="1"/>
-          </p:cNvPicPr>
-          <p:nvPr/>
-        </p:nvPicPr>
-        <p:blipFill>
-          <a:blip r:embed="rId7">
-            <a:extLst>
-              <a:ext uri="{28A0092B-C50C-407E-A947-70E740481C1C}">
-                <a14:useLocalDpi xmlns:a14="http://schemas.microsoft.com/office/drawing/2010/main" val="0"/>
-              </a:ext>
-            </a:extLst>
-          </a:blip>
-          <a:stretch>
-            <a:fillRect/>
-          </a:stretch>
-        </p:blipFill>
-        <p:spPr>
-          <a:xfrm>
-            <a:off x="6302375" y="3322638"/>
-            <a:ext cx="2447925" cy="1031875"/>
-          </a:xfrm>
-          <a:prstGeom prst="rect">
-            <a:avLst/>
-          </a:prstGeom>
-        </p:spPr>
-      </p:pic>
-      <p:pic>
-        <p:nvPicPr>
-          <p:cNvPr id="15" name="Picture 14" descr="A black background with yellow text&#10;&#10;Description automatically generated">
-            <a:extLst>
-              <a:ext uri="{FF2B5EF4-FFF2-40B4-BE49-F238E27FC236}">
-                <a16:creationId xmlns:a16="http://schemas.microsoft.com/office/drawing/2014/main" id="{A7084F58-BCB3-5456-276A-0D2B49CE45C7}"/>
-              </a:ext>
-            </a:extLst>
-          </p:cNvPr>
-          <p:cNvPicPr>
-            <a:picLocks noChangeAspect="1"/>
-          </p:cNvPicPr>
-          <p:nvPr/>
-        </p:nvPicPr>
-        <p:blipFill>
-          <a:blip r:embed="rId8">
-            <a:extLst>
-              <a:ext uri="{28A0092B-C50C-407E-A947-70E740481C1C}">
-                <a14:useLocalDpi xmlns:a14="http://schemas.microsoft.com/office/drawing/2010/main" val="0"/>
-              </a:ext>
-            </a:extLst>
-          </a:blip>
-          <a:stretch>
-            <a:fillRect/>
-          </a:stretch>
-        </p:blipFill>
-        <p:spPr>
-          <a:xfrm>
-            <a:off x="6302375" y="4421188"/>
-            <a:ext cx="2447925" cy="1793875"/>
+            <a:off x="5033742" y="557189"/>
+            <a:ext cx="4610850" cy="5743618"/>
           </a:xfrm>
           <a:prstGeom prst="rect">
             <a:avLst/>
@@ -4760,7 +4048,7 @@
     </p:spTree>
     <p:extLst>
       <p:ext uri="{BB962C8B-B14F-4D97-AF65-F5344CB8AC3E}">
-        <p14:creationId xmlns:p14="http://schemas.microsoft.com/office/powerpoint/2010/main" val="3214164407"/>
+        <p14:creationId xmlns:p14="http://schemas.microsoft.com/office/powerpoint/2010/main" val="2875453397"/>
       </p:ext>
     </p:extLst>
   </p:cSld>
